--- a/并发控制/cc_lock/cc_lock.pptx
+++ b/并发控制/cc_lock/cc_lock.pptx
@@ -8648,7 +8648,9 @@
         </p:nvSpPr>
         <p:spPr/>
         <p:txBody>
-          <a:bodyPr/>
+          <a:bodyPr>
+            <a:normAutofit lnSpcReduction="10000"/>
+          </a:bodyPr>
           <a:lstStyle/>
           <a:p>
             <a:r>
@@ -8684,7 +8686,15 @@
             </a:r>
             <a:r>
               <a:rPr lang="zh-CN" altLang="en-US" dirty="0" smtClean="0"/>
-              <a:t>加锁，设置该数据上已有锁信息为自己加的锁</a:t>
+              <a:t>加锁，设置该数据上已有锁信息</a:t>
+            </a:r>
+            <a:r>
+              <a:rPr lang="en-US" altLang="zh-CN" dirty="0" smtClean="0"/>
+              <a:t>(owner)</a:t>
+            </a:r>
+            <a:r>
+              <a:rPr lang="zh-CN" altLang="en-US" dirty="0" smtClean="0"/>
+              <a:t>为自己加的锁</a:t>
             </a:r>
             <a:endParaRPr lang="en-US" altLang="zh-CN" dirty="0"/>
           </a:p>
@@ -8707,7 +8717,7 @@
             </a:r>
             <a:r>
               <a:rPr lang="en-US" altLang="zh-CN" dirty="0" smtClean="0"/>
-              <a:t>push</a:t>
+              <a:t>(LockEntry) push</a:t>
             </a:r>
             <a:r>
               <a:rPr lang="zh-CN" altLang="en-US" dirty="0" smtClean="0"/>
@@ -8959,7 +8969,15 @@
             </a:r>
             <a:r>
               <a:rPr lang="zh-CN" altLang="en-US" dirty="0"/>
-              <a:t>，防止在释放锁的过程中有加锁操作被阻塞，从而改锁请求不能得到</a:t>
+              <a:t>，防止在释放锁的过程中有加锁操作被阻塞，</a:t>
+            </a:r>
+            <a:r>
+              <a:rPr lang="zh-CN" altLang="en-US" dirty="0" smtClean="0"/>
+              <a:t>从而使该锁</a:t>
+            </a:r>
+            <a:r>
+              <a:rPr lang="zh-CN" altLang="en-US" dirty="0"/>
+              <a:t>请求不能得到</a:t>
             </a:r>
             <a:r>
               <a:rPr lang="zh-CN" altLang="en-US" dirty="0" smtClean="0"/>
@@ -9335,15 +9353,7 @@
             </a:r>
             <a:r>
               <a:rPr lang="zh-CN" altLang="en-US" dirty="0" smtClean="0"/>
-              <a:t>函数，其中包含测试程序，模拟</a:t>
-            </a:r>
-            <a:r>
-              <a:rPr lang="en-US" altLang="zh-CN" dirty="0" smtClean="0"/>
-              <a:t>5</a:t>
-            </a:r>
-            <a:r>
-              <a:rPr lang="zh-CN" altLang="en-US" dirty="0" smtClean="0"/>
-              <a:t>个事务的并发，最后输出</a:t>
+              <a:t>函数，其中包含测试程序，模拟若干个事务的并发，最后输出</a:t>
             </a:r>
             <a:r>
               <a:rPr lang="en-US" altLang="zh-CN" dirty="0" err="1" smtClean="0"/>
@@ -9492,45 +9502,33 @@
           <a:p>
             <a:r>
               <a:rPr lang="en-US" altLang="zh-CN" dirty="0" smtClean="0"/>
-              <a:t>1</a:t>
-            </a:r>
+              <a:t>1. </a:t>
+            </a:r>
+            <a:r>
+              <a:rPr lang="zh-CN" altLang="en-US" dirty="0" smtClean="0"/>
+              <a:t>共享锁的并发</a:t>
+            </a:r>
+            <a:r>
+              <a:rPr lang="zh-CN" altLang="en-US" smtClean="0"/>
+              <a:t>加锁</a:t>
+            </a:r>
+            <a:r>
+              <a:rPr lang="zh-CN" altLang="en-US" smtClean="0"/>
+              <a:t>如何处理？</a:t>
+            </a:r>
+            <a:endParaRPr lang="en-US" altLang="zh-CN" dirty="0" smtClean="0"/>
+          </a:p>
+          <a:p>
+            <a:endParaRPr lang="en-US" altLang="zh-CN" dirty="0"/>
+          </a:p>
+          <a:p>
             <a:r>
               <a:rPr lang="en-US" altLang="zh-CN" dirty="0" smtClean="0"/>
-              <a:t>. </a:t>
+              <a:t>2. </a:t>
             </a:r>
             <a:r>
               <a:rPr lang="zh-CN" altLang="en-US" dirty="0" smtClean="0"/>
-              <a:t>共享锁的并发加锁如何实现？</a:t>
-            </a:r>
-            <a:endParaRPr lang="en-US" altLang="zh-CN" dirty="0" smtClean="0"/>
-          </a:p>
-          <a:p>
-            <a:endParaRPr lang="en-US" altLang="zh-CN" dirty="0"/>
-          </a:p>
-          <a:p>
-            <a:r>
-              <a:rPr lang="en-US" altLang="zh-CN" dirty="0" smtClean="0"/>
-              <a:t>2</a:t>
-            </a:r>
-            <a:r>
-              <a:rPr lang="en-US" altLang="zh-CN" dirty="0" smtClean="0"/>
-              <a:t>. </a:t>
-            </a:r>
-            <a:r>
-              <a:rPr lang="zh-CN" altLang="en-US" dirty="0" smtClean="0"/>
-              <a:t>如何</a:t>
-            </a:r>
-            <a:r>
-              <a:rPr lang="zh-CN" altLang="en-US" dirty="0" smtClean="0"/>
-              <a:t>基于锁实现低于可串行化的隔离级别</a:t>
-            </a:r>
-            <a:r>
-              <a:rPr lang="zh-CN" altLang="en-US" dirty="0" smtClean="0"/>
-              <a:t>？</a:t>
-            </a:r>
-            <a:r>
-              <a:rPr lang="zh-CN" altLang="en-US" dirty="0" smtClean="0"/>
-              <a:t>如：</a:t>
+              <a:t>如何基于锁实现低于可串行化的隔离级别？如：</a:t>
             </a:r>
             <a:r>
               <a:rPr lang="en-US" altLang="zh-CN" dirty="0"/>
@@ -10097,7 +10095,7 @@
           <a:p>
             <a:r>
               <a:rPr lang="en-US" altLang="zh-CN" dirty="0" smtClean="0"/>
-              <a:t>2PL</a:t>
+              <a:t>2PL(two phase locking)</a:t>
             </a:r>
             <a:endParaRPr lang="zh-CN" altLang="en-US" dirty="0"/>
           </a:p>
